--- a/document/project  Havoc Festival_윤장혁_김호진_양현석_김석현.pptx
+++ b/document/project  Havoc Festival_윤장혁_김호진_양현석_김석현.pptx
@@ -271,7 +271,7 @@
           <a:p>
             <a:fld id="{252F1F5C-C60E-4E2B-899E-3FE9567EEB44}" type="datetimeFigureOut">
               <a:rPr lang="ko-KR" altLang="en-US" smtClean="0"/>
-              <a:t>2022-04-29</a:t>
+              <a:t>2022-04-30</a:t>
             </a:fld>
             <a:endParaRPr lang="ko-KR" altLang="en-US"/>
           </a:p>
@@ -469,7 +469,7 @@
           <a:p>
             <a:fld id="{252F1F5C-C60E-4E2B-899E-3FE9567EEB44}" type="datetimeFigureOut">
               <a:rPr lang="ko-KR" altLang="en-US" smtClean="0"/>
-              <a:t>2022-04-29</a:t>
+              <a:t>2022-04-30</a:t>
             </a:fld>
             <a:endParaRPr lang="ko-KR" altLang="en-US"/>
           </a:p>
@@ -677,7 +677,7 @@
           <a:p>
             <a:fld id="{252F1F5C-C60E-4E2B-899E-3FE9567EEB44}" type="datetimeFigureOut">
               <a:rPr lang="ko-KR" altLang="en-US" smtClean="0"/>
-              <a:t>2022-04-29</a:t>
+              <a:t>2022-04-30</a:t>
             </a:fld>
             <a:endParaRPr lang="ko-KR" altLang="en-US"/>
           </a:p>
@@ -875,7 +875,7 @@
           <a:p>
             <a:fld id="{252F1F5C-C60E-4E2B-899E-3FE9567EEB44}" type="datetimeFigureOut">
               <a:rPr lang="ko-KR" altLang="en-US" smtClean="0"/>
-              <a:t>2022-04-29</a:t>
+              <a:t>2022-04-30</a:t>
             </a:fld>
             <a:endParaRPr lang="ko-KR" altLang="en-US"/>
           </a:p>
@@ -1150,7 +1150,7 @@
           <a:p>
             <a:fld id="{252F1F5C-C60E-4E2B-899E-3FE9567EEB44}" type="datetimeFigureOut">
               <a:rPr lang="ko-KR" altLang="en-US" smtClean="0"/>
-              <a:t>2022-04-29</a:t>
+              <a:t>2022-04-30</a:t>
             </a:fld>
             <a:endParaRPr lang="ko-KR" altLang="en-US"/>
           </a:p>
@@ -1415,7 +1415,7 @@
           <a:p>
             <a:fld id="{252F1F5C-C60E-4E2B-899E-3FE9567EEB44}" type="datetimeFigureOut">
               <a:rPr lang="ko-KR" altLang="en-US" smtClean="0"/>
-              <a:t>2022-04-29</a:t>
+              <a:t>2022-04-30</a:t>
             </a:fld>
             <a:endParaRPr lang="ko-KR" altLang="en-US"/>
           </a:p>
@@ -1827,7 +1827,7 @@
           <a:p>
             <a:fld id="{252F1F5C-C60E-4E2B-899E-3FE9567EEB44}" type="datetimeFigureOut">
               <a:rPr lang="ko-KR" altLang="en-US" smtClean="0"/>
-              <a:t>2022-04-29</a:t>
+              <a:t>2022-04-30</a:t>
             </a:fld>
             <a:endParaRPr lang="ko-KR" altLang="en-US"/>
           </a:p>
@@ -1968,7 +1968,7 @@
           <a:p>
             <a:fld id="{252F1F5C-C60E-4E2B-899E-3FE9567EEB44}" type="datetimeFigureOut">
               <a:rPr lang="ko-KR" altLang="en-US" smtClean="0"/>
-              <a:t>2022-04-29</a:t>
+              <a:t>2022-04-30</a:t>
             </a:fld>
             <a:endParaRPr lang="ko-KR" altLang="en-US"/>
           </a:p>
@@ -2081,7 +2081,7 @@
           <a:p>
             <a:fld id="{252F1F5C-C60E-4E2B-899E-3FE9567EEB44}" type="datetimeFigureOut">
               <a:rPr lang="ko-KR" altLang="en-US" smtClean="0"/>
-              <a:t>2022-04-29</a:t>
+              <a:t>2022-04-30</a:t>
             </a:fld>
             <a:endParaRPr lang="ko-KR" altLang="en-US"/>
           </a:p>
@@ -2392,7 +2392,7 @@
           <a:p>
             <a:fld id="{252F1F5C-C60E-4E2B-899E-3FE9567EEB44}" type="datetimeFigureOut">
               <a:rPr lang="ko-KR" altLang="en-US" smtClean="0"/>
-              <a:t>2022-04-29</a:t>
+              <a:t>2022-04-30</a:t>
             </a:fld>
             <a:endParaRPr lang="ko-KR" altLang="en-US"/>
           </a:p>
@@ -2680,7 +2680,7 @@
           <a:p>
             <a:fld id="{252F1F5C-C60E-4E2B-899E-3FE9567EEB44}" type="datetimeFigureOut">
               <a:rPr lang="ko-KR" altLang="en-US" smtClean="0"/>
-              <a:t>2022-04-29</a:t>
+              <a:t>2022-04-30</a:t>
             </a:fld>
             <a:endParaRPr lang="ko-KR" altLang="en-US"/>
           </a:p>
@@ -2930,7 +2930,7 @@
           <a:p>
             <a:fld id="{252F1F5C-C60E-4E2B-899E-3FE9567EEB44}" type="datetimeFigureOut">
               <a:rPr lang="ko-KR" altLang="en-US" smtClean="0"/>
-              <a:t>2022-04-29</a:t>
+              <a:t>2022-04-30</a:t>
             </a:fld>
             <a:endParaRPr lang="ko-KR" altLang="en-US"/>
           </a:p>
@@ -13651,7 +13651,7 @@
                   <a:schemeClr val="bg1"/>
                 </a:solidFill>
               </a:rPr>
-              <a:t>이용하여 제자</a:t>
+              <a:t>이용하여 제작</a:t>
             </a:r>
             <a:endParaRPr lang="en-US" altLang="ko-KR" b="1" dirty="0">
               <a:solidFill>

--- a/document/project  Havoc Festival_윤장혁_김호진_양현석_김석현.pptx
+++ b/document/project  Havoc Festival_윤장혁_김호진_양현석_김석현.pptx
@@ -271,7 +271,7 @@
           <a:p>
             <a:fld id="{252F1F5C-C60E-4E2B-899E-3FE9567EEB44}" type="datetimeFigureOut">
               <a:rPr lang="ko-KR" altLang="en-US" smtClean="0"/>
-              <a:t>2022-04-30</a:t>
+              <a:t>2022-05-01</a:t>
             </a:fld>
             <a:endParaRPr lang="ko-KR" altLang="en-US"/>
           </a:p>
@@ -469,7 +469,7 @@
           <a:p>
             <a:fld id="{252F1F5C-C60E-4E2B-899E-3FE9567EEB44}" type="datetimeFigureOut">
               <a:rPr lang="ko-KR" altLang="en-US" smtClean="0"/>
-              <a:t>2022-04-30</a:t>
+              <a:t>2022-05-01</a:t>
             </a:fld>
             <a:endParaRPr lang="ko-KR" altLang="en-US"/>
           </a:p>
@@ -677,7 +677,7 @@
           <a:p>
             <a:fld id="{252F1F5C-C60E-4E2B-899E-3FE9567EEB44}" type="datetimeFigureOut">
               <a:rPr lang="ko-KR" altLang="en-US" smtClean="0"/>
-              <a:t>2022-04-30</a:t>
+              <a:t>2022-05-01</a:t>
             </a:fld>
             <a:endParaRPr lang="ko-KR" altLang="en-US"/>
           </a:p>
@@ -875,7 +875,7 @@
           <a:p>
             <a:fld id="{252F1F5C-C60E-4E2B-899E-3FE9567EEB44}" type="datetimeFigureOut">
               <a:rPr lang="ko-KR" altLang="en-US" smtClean="0"/>
-              <a:t>2022-04-30</a:t>
+              <a:t>2022-05-01</a:t>
             </a:fld>
             <a:endParaRPr lang="ko-KR" altLang="en-US"/>
           </a:p>
@@ -1150,7 +1150,7 @@
           <a:p>
             <a:fld id="{252F1F5C-C60E-4E2B-899E-3FE9567EEB44}" type="datetimeFigureOut">
               <a:rPr lang="ko-KR" altLang="en-US" smtClean="0"/>
-              <a:t>2022-04-30</a:t>
+              <a:t>2022-05-01</a:t>
             </a:fld>
             <a:endParaRPr lang="ko-KR" altLang="en-US"/>
           </a:p>
@@ -1415,7 +1415,7 @@
           <a:p>
             <a:fld id="{252F1F5C-C60E-4E2B-899E-3FE9567EEB44}" type="datetimeFigureOut">
               <a:rPr lang="ko-KR" altLang="en-US" smtClean="0"/>
-              <a:t>2022-04-30</a:t>
+              <a:t>2022-05-01</a:t>
             </a:fld>
             <a:endParaRPr lang="ko-KR" altLang="en-US"/>
           </a:p>
@@ -1827,7 +1827,7 @@
           <a:p>
             <a:fld id="{252F1F5C-C60E-4E2B-899E-3FE9567EEB44}" type="datetimeFigureOut">
               <a:rPr lang="ko-KR" altLang="en-US" smtClean="0"/>
-              <a:t>2022-04-30</a:t>
+              <a:t>2022-05-01</a:t>
             </a:fld>
             <a:endParaRPr lang="ko-KR" altLang="en-US"/>
           </a:p>
@@ -1968,7 +1968,7 @@
           <a:p>
             <a:fld id="{252F1F5C-C60E-4E2B-899E-3FE9567EEB44}" type="datetimeFigureOut">
               <a:rPr lang="ko-KR" altLang="en-US" smtClean="0"/>
-              <a:t>2022-04-30</a:t>
+              <a:t>2022-05-01</a:t>
             </a:fld>
             <a:endParaRPr lang="ko-KR" altLang="en-US"/>
           </a:p>
@@ -2081,7 +2081,7 @@
           <a:p>
             <a:fld id="{252F1F5C-C60E-4E2B-899E-3FE9567EEB44}" type="datetimeFigureOut">
               <a:rPr lang="ko-KR" altLang="en-US" smtClean="0"/>
-              <a:t>2022-04-30</a:t>
+              <a:t>2022-05-01</a:t>
             </a:fld>
             <a:endParaRPr lang="ko-KR" altLang="en-US"/>
           </a:p>
@@ -2392,7 +2392,7 @@
           <a:p>
             <a:fld id="{252F1F5C-C60E-4E2B-899E-3FE9567EEB44}" type="datetimeFigureOut">
               <a:rPr lang="ko-KR" altLang="en-US" smtClean="0"/>
-              <a:t>2022-04-30</a:t>
+              <a:t>2022-05-01</a:t>
             </a:fld>
             <a:endParaRPr lang="ko-KR" altLang="en-US"/>
           </a:p>
@@ -2680,7 +2680,7 @@
           <a:p>
             <a:fld id="{252F1F5C-C60E-4E2B-899E-3FE9567EEB44}" type="datetimeFigureOut">
               <a:rPr lang="ko-KR" altLang="en-US" smtClean="0"/>
-              <a:t>2022-04-30</a:t>
+              <a:t>2022-05-01</a:t>
             </a:fld>
             <a:endParaRPr lang="ko-KR" altLang="en-US"/>
           </a:p>
@@ -2930,7 +2930,7 @@
           <a:p>
             <a:fld id="{252F1F5C-C60E-4E2B-899E-3FE9567EEB44}" type="datetimeFigureOut">
               <a:rPr lang="ko-KR" altLang="en-US" smtClean="0"/>
-              <a:t>2022-04-30</a:t>
+              <a:t>2022-05-01</a:t>
             </a:fld>
             <a:endParaRPr lang="ko-KR" altLang="en-US"/>
           </a:p>
@@ -12900,6 +12900,36 @@
           </a:prstGeom>
         </p:spPr>
       </p:pic>
+      <p:pic>
+        <p:nvPicPr>
+          <p:cNvPr id="4" name="그림 3">
+            <a:extLst>
+              <a:ext uri="{FF2B5EF4-FFF2-40B4-BE49-F238E27FC236}">
+                <a16:creationId xmlns:a16="http://schemas.microsoft.com/office/drawing/2014/main" id="{44742D74-8BBE-DA51-30EB-9B969CFACC49}"/>
+              </a:ext>
+            </a:extLst>
+          </p:cNvPr>
+          <p:cNvPicPr>
+            <a:picLocks noChangeAspect="1"/>
+          </p:cNvPicPr>
+          <p:nvPr/>
+        </p:nvPicPr>
+        <p:blipFill>
+          <a:blip r:embed="rId3"/>
+          <a:stretch>
+            <a:fillRect/>
+          </a:stretch>
+        </p:blipFill>
+        <p:spPr>
+          <a:xfrm>
+            <a:off x="977996" y="2366830"/>
+            <a:ext cx="4105275" cy="2286000"/>
+          </a:xfrm>
+          <a:prstGeom prst="rect">
+            <a:avLst/>
+          </a:prstGeom>
+        </p:spPr>
+      </p:pic>
     </p:spTree>
     <p:extLst>
       <p:ext uri="{BB962C8B-B14F-4D97-AF65-F5344CB8AC3E}">
@@ -15488,6 +15518,36 @@
           </a:prstGeom>
         </p:spPr>
       </p:pic>
+      <p:pic>
+        <p:nvPicPr>
+          <p:cNvPr id="4" name="그림 3">
+            <a:extLst>
+              <a:ext uri="{FF2B5EF4-FFF2-40B4-BE49-F238E27FC236}">
+                <a16:creationId xmlns:a16="http://schemas.microsoft.com/office/drawing/2014/main" id="{36AC9929-3EAE-5F93-FB1E-AB25D2E462AE}"/>
+              </a:ext>
+            </a:extLst>
+          </p:cNvPr>
+          <p:cNvPicPr>
+            <a:picLocks noChangeAspect="1"/>
+          </p:cNvPicPr>
+          <p:nvPr/>
+        </p:nvPicPr>
+        <p:blipFill>
+          <a:blip r:embed="rId3"/>
+          <a:stretch>
+            <a:fillRect/>
+          </a:stretch>
+        </p:blipFill>
+        <p:spPr>
+          <a:xfrm>
+            <a:off x="7491305" y="2583253"/>
+            <a:ext cx="4023489" cy="2248804"/>
+          </a:xfrm>
+          <a:prstGeom prst="rect">
+            <a:avLst/>
+          </a:prstGeom>
+        </p:spPr>
+      </p:pic>
     </p:spTree>
     <p:extLst>
       <p:ext uri="{BB962C8B-B14F-4D97-AF65-F5344CB8AC3E}">
@@ -15679,6 +15739,126 @@
           </p:style>
         </p:cxnSp>
       </p:grpSp>
+      <p:pic>
+        <p:nvPicPr>
+          <p:cNvPr id="3" name="그림 2">
+            <a:extLst>
+              <a:ext uri="{FF2B5EF4-FFF2-40B4-BE49-F238E27FC236}">
+                <a16:creationId xmlns:a16="http://schemas.microsoft.com/office/drawing/2014/main" id="{C69665A1-0E60-0AED-356A-6012C96084B5}"/>
+              </a:ext>
+            </a:extLst>
+          </p:cNvPr>
+          <p:cNvPicPr>
+            <a:picLocks noChangeAspect="1"/>
+          </p:cNvPicPr>
+          <p:nvPr/>
+        </p:nvPicPr>
+        <p:blipFill>
+          <a:blip r:embed="rId2"/>
+          <a:stretch>
+            <a:fillRect/>
+          </a:stretch>
+        </p:blipFill>
+        <p:spPr>
+          <a:xfrm>
+            <a:off x="680860" y="1594069"/>
+            <a:ext cx="5012489" cy="2967482"/>
+          </a:xfrm>
+          <a:prstGeom prst="rect">
+            <a:avLst/>
+          </a:prstGeom>
+        </p:spPr>
+      </p:pic>
+      <p:pic>
+        <p:nvPicPr>
+          <p:cNvPr id="9" name="그림 8">
+            <a:extLst>
+              <a:ext uri="{FF2B5EF4-FFF2-40B4-BE49-F238E27FC236}">
+                <a16:creationId xmlns:a16="http://schemas.microsoft.com/office/drawing/2014/main" id="{4BCE2BED-CF8E-32CB-EB3D-21186B3FBA17}"/>
+              </a:ext>
+            </a:extLst>
+          </p:cNvPr>
+          <p:cNvPicPr>
+            <a:picLocks noChangeAspect="1"/>
+          </p:cNvPicPr>
+          <p:nvPr/>
+        </p:nvPicPr>
+        <p:blipFill>
+          <a:blip r:embed="rId3"/>
+          <a:stretch>
+            <a:fillRect/>
+          </a:stretch>
+        </p:blipFill>
+        <p:spPr>
+          <a:xfrm>
+            <a:off x="6193766" y="1594069"/>
+            <a:ext cx="5460880" cy="2834128"/>
+          </a:xfrm>
+          <a:prstGeom prst="rect">
+            <a:avLst/>
+          </a:prstGeom>
+        </p:spPr>
+      </p:pic>
+      <p:pic>
+        <p:nvPicPr>
+          <p:cNvPr id="11" name="그림 10">
+            <a:extLst>
+              <a:ext uri="{FF2B5EF4-FFF2-40B4-BE49-F238E27FC236}">
+                <a16:creationId xmlns:a16="http://schemas.microsoft.com/office/drawing/2014/main" id="{8EA572F3-143C-31A9-93C1-831354324006}"/>
+              </a:ext>
+            </a:extLst>
+          </p:cNvPr>
+          <p:cNvPicPr>
+            <a:picLocks noChangeAspect="1"/>
+          </p:cNvPicPr>
+          <p:nvPr/>
+        </p:nvPicPr>
+        <p:blipFill>
+          <a:blip r:embed="rId4"/>
+          <a:stretch>
+            <a:fillRect/>
+          </a:stretch>
+        </p:blipFill>
+        <p:spPr>
+          <a:xfrm>
+            <a:off x="1181819" y="2515914"/>
+            <a:ext cx="5093000" cy="3022156"/>
+          </a:xfrm>
+          <a:prstGeom prst="rect">
+            <a:avLst/>
+          </a:prstGeom>
+        </p:spPr>
+      </p:pic>
+      <p:pic>
+        <p:nvPicPr>
+          <p:cNvPr id="13" name="그림 12">
+            <a:extLst>
+              <a:ext uri="{FF2B5EF4-FFF2-40B4-BE49-F238E27FC236}">
+                <a16:creationId xmlns:a16="http://schemas.microsoft.com/office/drawing/2014/main" id="{2B7EF6DA-A2AA-6979-7F1F-312460A5DEBF}"/>
+              </a:ext>
+            </a:extLst>
+          </p:cNvPr>
+          <p:cNvPicPr>
+            <a:picLocks noChangeAspect="1"/>
+          </p:cNvPicPr>
+          <p:nvPr/>
+        </p:nvPicPr>
+        <p:blipFill>
+          <a:blip r:embed="rId5"/>
+          <a:stretch>
+            <a:fillRect/>
+          </a:stretch>
+        </p:blipFill>
+        <p:spPr>
+          <a:xfrm>
+            <a:off x="6686189" y="2656497"/>
+            <a:ext cx="5341647" cy="2834128"/>
+          </a:xfrm>
+          <a:prstGeom prst="rect">
+            <a:avLst/>
+          </a:prstGeom>
+        </p:spPr>
+      </p:pic>
     </p:spTree>
     <p:extLst>
       <p:ext uri="{BB962C8B-B14F-4D97-AF65-F5344CB8AC3E}">
@@ -15689,6 +15869,248 @@
   <p:clrMapOvr>
     <a:masterClrMapping/>
   </p:clrMapOvr>
+  <p:timing>
+    <p:tnLst>
+      <p:par>
+        <p:cTn id="1" dur="indefinite" restart="never" nodeType="tmRoot">
+          <p:childTnLst>
+            <p:seq concurrent="1" nextAc="seek">
+              <p:cTn id="2" dur="indefinite" nodeType="mainSeq">
+                <p:childTnLst>
+                  <p:par>
+                    <p:cTn id="3" fill="hold">
+                      <p:stCondLst>
+                        <p:cond delay="indefinite"/>
+                      </p:stCondLst>
+                      <p:childTnLst>
+                        <p:par>
+                          <p:cTn id="4" fill="hold">
+                            <p:stCondLst>
+                              <p:cond delay="0"/>
+                            </p:stCondLst>
+                            <p:childTnLst>
+                              <p:par>
+                                <p:cTn id="5" presetID="10" presetClass="entr" presetSubtype="0" fill="hold" nodeType="clickEffect">
+                                  <p:stCondLst>
+                                    <p:cond delay="0"/>
+                                  </p:stCondLst>
+                                  <p:childTnLst>
+                                    <p:set>
+                                      <p:cBhvr>
+                                        <p:cTn id="6" dur="1" fill="hold">
+                                          <p:stCondLst>
+                                            <p:cond delay="0"/>
+                                          </p:stCondLst>
+                                        </p:cTn>
+                                        <p:tgtEl>
+                                          <p:spTgt spid="3"/>
+                                        </p:tgtEl>
+                                        <p:attrNameLst>
+                                          <p:attrName>style.visibility</p:attrName>
+                                        </p:attrNameLst>
+                                      </p:cBhvr>
+                                      <p:to>
+                                        <p:strVal val="visible"/>
+                                      </p:to>
+                                    </p:set>
+                                    <p:animEffect transition="in" filter="fade">
+                                      <p:cBhvr>
+                                        <p:cTn id="7" dur="500"/>
+                                        <p:tgtEl>
+                                          <p:spTgt spid="3"/>
+                                        </p:tgtEl>
+                                      </p:cBhvr>
+                                    </p:animEffect>
+                                  </p:childTnLst>
+                                </p:cTn>
+                              </p:par>
+                            </p:childTnLst>
+                          </p:cTn>
+                        </p:par>
+                      </p:childTnLst>
+                    </p:cTn>
+                  </p:par>
+                  <p:par>
+                    <p:cTn id="8" fill="hold">
+                      <p:stCondLst>
+                        <p:cond delay="indefinite"/>
+                      </p:stCondLst>
+                      <p:childTnLst>
+                        <p:par>
+                          <p:cTn id="9" fill="hold">
+                            <p:stCondLst>
+                              <p:cond delay="0"/>
+                            </p:stCondLst>
+                            <p:childTnLst>
+                              <p:par>
+                                <p:cTn id="10" presetID="10" presetClass="entr" presetSubtype="0" fill="hold" nodeType="clickEffect">
+                                  <p:stCondLst>
+                                    <p:cond delay="0"/>
+                                  </p:stCondLst>
+                                  <p:childTnLst>
+                                    <p:set>
+                                      <p:cBhvr>
+                                        <p:cTn id="11" dur="1" fill="hold">
+                                          <p:stCondLst>
+                                            <p:cond delay="0"/>
+                                          </p:stCondLst>
+                                        </p:cTn>
+                                        <p:tgtEl>
+                                          <p:spTgt spid="9"/>
+                                        </p:tgtEl>
+                                        <p:attrNameLst>
+                                          <p:attrName>style.visibility</p:attrName>
+                                        </p:attrNameLst>
+                                      </p:cBhvr>
+                                      <p:to>
+                                        <p:strVal val="visible"/>
+                                      </p:to>
+                                    </p:set>
+                                    <p:animEffect transition="in" filter="fade">
+                                      <p:cBhvr>
+                                        <p:cTn id="12" dur="500"/>
+                                        <p:tgtEl>
+                                          <p:spTgt spid="9"/>
+                                        </p:tgtEl>
+                                      </p:cBhvr>
+                                    </p:animEffect>
+                                  </p:childTnLst>
+                                </p:cTn>
+                              </p:par>
+                            </p:childTnLst>
+                          </p:cTn>
+                        </p:par>
+                      </p:childTnLst>
+                    </p:cTn>
+                  </p:par>
+                  <p:par>
+                    <p:cTn id="13" fill="hold">
+                      <p:stCondLst>
+                        <p:cond delay="indefinite"/>
+                      </p:stCondLst>
+                      <p:childTnLst>
+                        <p:par>
+                          <p:cTn id="14" fill="hold">
+                            <p:stCondLst>
+                              <p:cond delay="0"/>
+                            </p:stCondLst>
+                            <p:childTnLst>
+                              <p:par>
+                                <p:cTn id="15" presetID="10" presetClass="entr" presetSubtype="0" fill="hold" nodeType="clickEffect">
+                                  <p:stCondLst>
+                                    <p:cond delay="0"/>
+                                  </p:stCondLst>
+                                  <p:childTnLst>
+                                    <p:set>
+                                      <p:cBhvr>
+                                        <p:cTn id="16" dur="1" fill="hold">
+                                          <p:stCondLst>
+                                            <p:cond delay="0"/>
+                                          </p:stCondLst>
+                                        </p:cTn>
+                                        <p:tgtEl>
+                                          <p:spTgt spid="11"/>
+                                        </p:tgtEl>
+                                        <p:attrNameLst>
+                                          <p:attrName>style.visibility</p:attrName>
+                                        </p:attrNameLst>
+                                      </p:cBhvr>
+                                      <p:to>
+                                        <p:strVal val="visible"/>
+                                      </p:to>
+                                    </p:set>
+                                    <p:animEffect transition="in" filter="fade">
+                                      <p:cBhvr>
+                                        <p:cTn id="17" dur="500"/>
+                                        <p:tgtEl>
+                                          <p:spTgt spid="11"/>
+                                        </p:tgtEl>
+                                      </p:cBhvr>
+                                    </p:animEffect>
+                                  </p:childTnLst>
+                                </p:cTn>
+                              </p:par>
+                            </p:childTnLst>
+                          </p:cTn>
+                        </p:par>
+                      </p:childTnLst>
+                    </p:cTn>
+                  </p:par>
+                  <p:par>
+                    <p:cTn id="18" fill="hold">
+                      <p:stCondLst>
+                        <p:cond delay="indefinite"/>
+                      </p:stCondLst>
+                      <p:childTnLst>
+                        <p:par>
+                          <p:cTn id="19" fill="hold">
+                            <p:stCondLst>
+                              <p:cond delay="0"/>
+                            </p:stCondLst>
+                            <p:childTnLst>
+                              <p:par>
+                                <p:cTn id="20" presetID="10" presetClass="entr" presetSubtype="0" fill="hold" nodeType="clickEffect">
+                                  <p:stCondLst>
+                                    <p:cond delay="0"/>
+                                  </p:stCondLst>
+                                  <p:childTnLst>
+                                    <p:set>
+                                      <p:cBhvr>
+                                        <p:cTn id="21" dur="1" fill="hold">
+                                          <p:stCondLst>
+                                            <p:cond delay="0"/>
+                                          </p:stCondLst>
+                                        </p:cTn>
+                                        <p:tgtEl>
+                                          <p:spTgt spid="13"/>
+                                        </p:tgtEl>
+                                        <p:attrNameLst>
+                                          <p:attrName>style.visibility</p:attrName>
+                                        </p:attrNameLst>
+                                      </p:cBhvr>
+                                      <p:to>
+                                        <p:strVal val="visible"/>
+                                      </p:to>
+                                    </p:set>
+                                    <p:animEffect transition="in" filter="fade">
+                                      <p:cBhvr>
+                                        <p:cTn id="22" dur="500"/>
+                                        <p:tgtEl>
+                                          <p:spTgt spid="13"/>
+                                        </p:tgtEl>
+                                      </p:cBhvr>
+                                    </p:animEffect>
+                                  </p:childTnLst>
+                                </p:cTn>
+                              </p:par>
+                            </p:childTnLst>
+                          </p:cTn>
+                        </p:par>
+                      </p:childTnLst>
+                    </p:cTn>
+                  </p:par>
+                </p:childTnLst>
+              </p:cTn>
+              <p:prevCondLst>
+                <p:cond evt="onPrev" delay="0">
+                  <p:tgtEl>
+                    <p:sldTgt/>
+                  </p:tgtEl>
+                </p:cond>
+              </p:prevCondLst>
+              <p:nextCondLst>
+                <p:cond evt="onNext" delay="0">
+                  <p:tgtEl>
+                    <p:sldTgt/>
+                  </p:tgtEl>
+                </p:cond>
+              </p:nextCondLst>
+            </p:seq>
+          </p:childTnLst>
+        </p:cTn>
+      </p:par>
+    </p:tnLst>
+  </p:timing>
 </p:sld>
 </file>
 
